--- a/notes/4_Defense_Mechanisms.pptx
+++ b/notes/4_Defense_Mechanisms.pptx
@@ -7350,14 +7350,14 @@
           <p:nvPr>
             <p:extLst>
               <p:ext uri="{D42A27DB-BD31-4B8C-83A1-F6EECF244321}">
-                <p14:modId xmlns:p14="http://schemas.microsoft.com/office/powerpoint/2010/main" val="1101033983"/>
+                <p14:modId xmlns:p14="http://schemas.microsoft.com/office/powerpoint/2010/main" val="2364523217"/>
               </p:ext>
             </p:extLst>
           </p:nvPr>
         </p:nvGraphicFramePr>
         <p:xfrm>
           <a:off x="895350" y="3429000"/>
-          <a:ext cx="7620000" cy="2468910"/>
+          <a:ext cx="7620000" cy="2194590"/>
         </p:xfrm>
         <a:graphic>
           <a:graphicData uri="http://schemas.openxmlformats.org/drawingml/2006/table">
@@ -7388,35 +7388,7 @@
                     <a:bodyPr/>
                     <a:lstStyle/>
                     <a:p>
-                      <a:pPr marL="0" marR="0" lvl="0" indent="0" algn="l" rtl="0">
-                        <a:spcBef>
-                          <a:spcPts val="0"/>
-                        </a:spcBef>
-                        <a:buSzPct val="25000"/>
-                        <a:buNone/>
-                      </a:pPr>
-                      <a:r>
-                        <a:rPr lang="en-US" sz="1800" b="1" u="none" strike="noStrike" cap="none">
-                          <a:solidFill>
-                            <a:srgbClr val="2955A6"/>
-                          </a:solidFill>
-                          <a:latin typeface="Calibri"/>
-                          <a:ea typeface="Calibri"/>
-                          <a:cs typeface="Calibri"/>
-                          <a:sym typeface="Calibri"/>
-                        </a:rPr>
-                        <a:t>Preventive control</a:t>
-                      </a:r>
-                    </a:p>
-                  </a:txBody>
-                  <a:tcPr marL="91450" marR="91450" marT="45725" marB="45725"/>
-                </a:tc>
-                <a:tc>
-                  <a:txBody>
-                    <a:bodyPr/>
-                    <a:lstStyle/>
-                    <a:p>
-                      <a:pPr marL="0" marR="0" lvl="0" indent="0" algn="l" rtl="0">
+                      <a:pPr marL="0" marR="0" lvl="0" indent="0" algn="l" defTabSz="685800" rtl="0" eaLnBrk="1" fontAlgn="auto" latinLnBrk="0" hangingPunct="1">
                         <a:lnSpc>
                           <a:spcPct val="100000"/>
                         </a:lnSpc>
@@ -7426,24 +7398,24 @@
                         <a:spcAft>
                           <a:spcPts val="0"/>
                         </a:spcAft>
-                        <a:buClr>
-                          <a:srgbClr val="2955A6"/>
-                        </a:buClr>
+                        <a:buClrTx/>
                         <a:buSzPct val="25000"/>
-                        <a:buFont typeface="Calibri"/>
+                        <a:buFontTx/>
                         <a:buNone/>
+                        <a:tabLst/>
+                        <a:defRPr/>
                       </a:pPr>
                       <a:r>
-                        <a:rPr lang="en-US" sz="1800" dirty="0">
+                        <a:rPr lang="en-US" sz="1800" b="1" dirty="0">
                           <a:solidFill>
                             <a:srgbClr val="2955A6"/>
                           </a:solidFill>
-                          <a:latin typeface="Calibri"/>
+                          <a:latin typeface="+mn-lt"/>
                           <a:ea typeface="Calibri"/>
                           <a:cs typeface="Calibri"/>
                           <a:sym typeface="Calibri"/>
                         </a:rPr>
-                        <a:t>Door locks on the data center doors that are actually locked.</a:t>
+                        <a:t>Deterrent control</a:t>
                       </a:r>
                     </a:p>
                     <a:p>
@@ -7454,7 +7426,7 @@
                         <a:buSzPct val="25000"/>
                         <a:buNone/>
                       </a:pPr>
-                      <a:endParaRPr sz="1800" dirty="0">
+                      <a:endParaRPr lang="en-US" sz="1800" b="1" u="none" strike="noStrike" cap="none" dirty="0">
                         <a:solidFill>
                           <a:srgbClr val="2955A6"/>
                         </a:solidFill>
@@ -7463,6 +7435,44 @@
                         <a:cs typeface="Calibri"/>
                         <a:sym typeface="Calibri"/>
                       </a:endParaRPr>
+                    </a:p>
+                  </a:txBody>
+                  <a:tcPr marL="91450" marR="91450" marT="45725" marB="45725"/>
+                </a:tc>
+                <a:tc>
+                  <a:txBody>
+                    <a:bodyPr/>
+                    <a:lstStyle/>
+                    <a:p>
+                      <a:pPr marL="0" marR="0" lvl="0" indent="0" algn="l" defTabSz="685800" rtl="0" eaLnBrk="1" fontAlgn="auto" latinLnBrk="0" hangingPunct="1">
+                        <a:lnSpc>
+                          <a:spcPct val="100000"/>
+                        </a:lnSpc>
+                        <a:spcBef>
+                          <a:spcPts val="0"/>
+                        </a:spcBef>
+                        <a:spcAft>
+                          <a:spcPts val="0"/>
+                        </a:spcAft>
+                        <a:buClrTx/>
+                        <a:buSzPct val="25000"/>
+                        <a:buFontTx/>
+                        <a:buNone/>
+                        <a:tabLst/>
+                        <a:defRPr/>
+                      </a:pPr>
+                      <a:r>
+                        <a:rPr lang="en-US" sz="1800" dirty="0">
+                          <a:solidFill>
+                            <a:srgbClr val="2955A6"/>
+                          </a:solidFill>
+                          <a:latin typeface="+mn-lt"/>
+                          <a:ea typeface="Calibri"/>
+                          <a:cs typeface="Calibri"/>
+                          <a:sym typeface="Calibri"/>
+                        </a:rPr>
+                        <a:t>Posting signs that this area is monitored by security cameras along with visible security cameras.  Another example is motion-sensing lights.</a:t>
+                      </a:r>
                     </a:p>
                   </a:txBody>
                   <a:tcPr marL="91450" marR="91450" marT="45725" marB="45725"/>
@@ -7479,6 +7489,37 @@
                     <a:bodyPr/>
                     <a:lstStyle/>
                     <a:p>
+                      <a:pPr marL="0" marR="0" lvl="0" indent="0" algn="l" defTabSz="685800" rtl="0" eaLnBrk="1" fontAlgn="auto" latinLnBrk="0" hangingPunct="1">
+                        <a:lnSpc>
+                          <a:spcPct val="100000"/>
+                        </a:lnSpc>
+                        <a:spcBef>
+                          <a:spcPts val="0"/>
+                        </a:spcBef>
+                        <a:spcAft>
+                          <a:spcPts val="0"/>
+                        </a:spcAft>
+                        <a:buClrTx/>
+                        <a:buSzPct val="25000"/>
+                        <a:buFontTx/>
+                        <a:buNone/>
+                        <a:tabLst/>
+                        <a:defRPr/>
+                      </a:pPr>
+                      <a:r>
+                        <a:rPr lang="en-US" sz="1800" b="1" u="none" strike="noStrike" cap="none" dirty="0">
+                          <a:solidFill>
+                            <a:srgbClr val="2955A6"/>
+                          </a:solidFill>
+                          <a:latin typeface="+mn-lt"/>
+                          <a:ea typeface="Calibri"/>
+                          <a:cs typeface="Calibri"/>
+                          <a:sym typeface="Calibri"/>
+                        </a:rPr>
+                        <a:t>Preventive control</a:t>
+                      </a:r>
+                    </a:p>
+                    <a:p>
                       <a:pPr marL="0" marR="0" lvl="0" indent="0" algn="l" rtl="0">
                         <a:spcBef>
                           <a:spcPts val="0"/>
@@ -7486,18 +7527,15 @@
                         <a:buSzPct val="25000"/>
                         <a:buNone/>
                       </a:pPr>
-                      <a:r>
-                        <a:rPr lang="en-US" sz="1800" b="1" dirty="0">
-                          <a:solidFill>
-                            <a:srgbClr val="2955A6"/>
-                          </a:solidFill>
-                          <a:latin typeface="Calibri"/>
-                          <a:ea typeface="Calibri"/>
-                          <a:cs typeface="Calibri"/>
-                          <a:sym typeface="Calibri"/>
-                        </a:rPr>
-                        <a:t>Deterrent control</a:t>
-                      </a:r>
+                      <a:endParaRPr lang="en-US" sz="1800" b="1" dirty="0">
+                        <a:solidFill>
+                          <a:srgbClr val="2955A6"/>
+                        </a:solidFill>
+                        <a:latin typeface="Calibri"/>
+                        <a:ea typeface="Calibri"/>
+                        <a:cs typeface="Calibri"/>
+                        <a:sym typeface="Calibri"/>
+                      </a:endParaRPr>
                     </a:p>
                   </a:txBody>
                   <a:tcPr marL="91450" marR="91450" marT="45725" marB="45725"/>
@@ -7507,7 +7545,7 @@
                     <a:bodyPr/>
                     <a:lstStyle/>
                     <a:p>
-                      <a:pPr marL="0" marR="0" lvl="0" indent="0" algn="l" rtl="0">
+                      <a:pPr marL="0" marR="0" lvl="0" indent="0" algn="l" defTabSz="685800" rtl="0" eaLnBrk="1" fontAlgn="auto" latinLnBrk="0" hangingPunct="1">
                         <a:lnSpc>
                           <a:spcPct val="100000"/>
                         </a:lnSpc>
@@ -7523,18 +7561,20 @@
                         <a:buSzPct val="25000"/>
                         <a:buFont typeface="Calibri"/>
                         <a:buNone/>
+                        <a:tabLst/>
+                        <a:defRPr/>
                       </a:pPr>
                       <a:r>
                         <a:rPr lang="en-US" sz="1800" dirty="0">
                           <a:solidFill>
                             <a:srgbClr val="2955A6"/>
                           </a:solidFill>
-                          <a:latin typeface="Calibri"/>
+                          <a:latin typeface="+mn-lt"/>
                           <a:ea typeface="Calibri"/>
                           <a:cs typeface="Calibri"/>
                           <a:sym typeface="Calibri"/>
                         </a:rPr>
-                        <a:t>Posting signs that this area is monitored by security cameras along with visible security cameras.  Another example is motion-sensing lights.</a:t>
+                        <a:t>Door locks on the data center doors that are actually locked.</a:t>
                       </a:r>
                     </a:p>
                   </a:txBody>
@@ -9080,34 +9120,6 @@
             <a:noAutofit/>
           </a:bodyPr>
           <a:lstStyle/>
-          <a:p>
-            <a:pPr marL="342900" marR="0" lvl="0" indent="-342900" algn="l" rtl="0">
-              <a:spcBef>
-                <a:spcPts val="0"/>
-              </a:spcBef>
-              <a:spcAft>
-                <a:spcPts val="0"/>
-              </a:spcAft>
-              <a:buClr>
-                <a:srgbClr val="2955A6"/>
-              </a:buClr>
-              <a:buSzPct val="100000"/>
-              <a:buFont typeface="Arial"/>
-              <a:buChar char="•"/>
-            </a:pPr>
-            <a:r>
-              <a:rPr lang="en-US" sz="1800" b="0" i="0" u="none" strike="noStrike" cap="none" dirty="0">
-                <a:solidFill>
-                  <a:srgbClr val="2955A6"/>
-                </a:solidFill>
-                <a:latin typeface="Calibri"/>
-                <a:ea typeface="Calibri"/>
-                <a:cs typeface="Calibri"/>
-                <a:sym typeface="Calibri"/>
-              </a:rPr>
-              <a:t>Upon the conclusion of this module, the student will be able to:</a:t>
-            </a:r>
-          </a:p>
           <a:p>
             <a:pPr marL="742950" marR="0" lvl="1" indent="-285750" algn="l" rtl="0">
               <a:spcBef>
